--- a/AprendizadoMaquina/Tópico 02 - Aprendizado Supervisionado/NAIVE BAYES/Tópico 02 - Aprendizado-Supervisionado - Naive Bayes.pptx
+++ b/AprendizadoMaquina/Tópico 02 - Aprendizado Supervisionado/NAIVE BAYES/Tópico 02 - Aprendizado-Supervisionado - Naive Bayes.pptx
@@ -317,7 +317,7 @@
             <a:pPr algn="r">
               <a:buNone/>
             </a:pPr>
-            <a:fld id="{D942C601-177B-48E4-B095-732065277F0F}" type="slidenum">
+            <a:fld id="{1C017D62-4E5E-4856-8C32-ED9AF0223BD5}" type="slidenum">
               <a:rPr b="0" lang="pt-BR" sz="1400" spc="-1" strike="noStrike">
                 <a:latin typeface="Times New Roman"/>
               </a:rPr>
@@ -2114,7 +2114,7 @@
       </p:sp>
       <p:sp>
         <p:nvSpPr>
-          <p:cNvPr id="431" name="CustomShape 64"/>
+          <p:cNvPr id="431" name="CustomShape 68"/>
           <p:cNvSpPr/>
           <p:nvPr/>
         </p:nvSpPr>
@@ -2245,7 +2245,7 @@
       </p:sp>
       <p:sp>
         <p:nvSpPr>
-          <p:cNvPr id="434" name="CustomShape 68"/>
+          <p:cNvPr id="434" name="CustomShape 64"/>
           <p:cNvSpPr/>
           <p:nvPr/>
         </p:nvSpPr>
@@ -11304,31 +11304,151 @@
               <a:rPr b="0" lang="pt-BR" sz="4400" spc="-1" strike="noStrike">
                 <a:latin typeface="Arial"/>
               </a:rPr>
-              <a:t>Click to </a:t>
+              <a:t>C</a:t>
             </a:r>
             <a:r>
               <a:rPr b="0" lang="pt-BR" sz="4400" spc="-1" strike="noStrike">
                 <a:latin typeface="Arial"/>
               </a:rPr>
-              <a:t>edit the </a:t>
+              <a:t>li</a:t>
             </a:r>
             <a:r>
               <a:rPr b="0" lang="pt-BR" sz="4400" spc="-1" strike="noStrike">
                 <a:latin typeface="Arial"/>
               </a:rPr>
-              <a:t>title </a:t>
+              <a:t>c</a:t>
             </a:r>
             <a:r>
               <a:rPr b="0" lang="pt-BR" sz="4400" spc="-1" strike="noStrike">
                 <a:latin typeface="Arial"/>
               </a:rPr>
-              <a:t>text </a:t>
+              <a:t>k </a:t>
             </a:r>
             <a:r>
               <a:rPr b="0" lang="pt-BR" sz="4400" spc="-1" strike="noStrike">
                 <a:latin typeface="Arial"/>
               </a:rPr>
-              <a:t>format</a:t>
+              <a:t>t</a:t>
+            </a:r>
+            <a:r>
+              <a:rPr b="0" lang="pt-BR" sz="4400" spc="-1" strike="noStrike">
+                <a:latin typeface="Arial"/>
+              </a:rPr>
+              <a:t>o </a:t>
+            </a:r>
+            <a:r>
+              <a:rPr b="0" lang="pt-BR" sz="4400" spc="-1" strike="noStrike">
+                <a:latin typeface="Arial"/>
+              </a:rPr>
+              <a:t>e</a:t>
+            </a:r>
+            <a:r>
+              <a:rPr b="0" lang="pt-BR" sz="4400" spc="-1" strike="noStrike">
+                <a:latin typeface="Arial"/>
+              </a:rPr>
+              <a:t>d</a:t>
+            </a:r>
+            <a:r>
+              <a:rPr b="0" lang="pt-BR" sz="4400" spc="-1" strike="noStrike">
+                <a:latin typeface="Arial"/>
+              </a:rPr>
+              <a:t>it </a:t>
+            </a:r>
+            <a:r>
+              <a:rPr b="0" lang="pt-BR" sz="4400" spc="-1" strike="noStrike">
+                <a:latin typeface="Arial"/>
+              </a:rPr>
+              <a:t>t</a:t>
+            </a:r>
+            <a:r>
+              <a:rPr b="0" lang="pt-BR" sz="4400" spc="-1" strike="noStrike">
+                <a:latin typeface="Arial"/>
+              </a:rPr>
+              <a:t>h</a:t>
+            </a:r>
+            <a:r>
+              <a:rPr b="0" lang="pt-BR" sz="4400" spc="-1" strike="noStrike">
+                <a:latin typeface="Arial"/>
+              </a:rPr>
+              <a:t>e </a:t>
+            </a:r>
+            <a:r>
+              <a:rPr b="0" lang="pt-BR" sz="4400" spc="-1" strike="noStrike">
+                <a:latin typeface="Arial"/>
+              </a:rPr>
+              <a:t>ti</a:t>
+            </a:r>
+            <a:r>
+              <a:rPr b="0" lang="pt-BR" sz="4400" spc="-1" strike="noStrike">
+                <a:latin typeface="Arial"/>
+              </a:rPr>
+              <a:t>tl</a:t>
+            </a:r>
+            <a:r>
+              <a:rPr b="0" lang="pt-BR" sz="4400" spc="-1" strike="noStrike">
+                <a:latin typeface="Arial"/>
+              </a:rPr>
+              <a:t>e </a:t>
+            </a:r>
+            <a:r>
+              <a:rPr b="0" lang="pt-BR" sz="4400" spc="-1" strike="noStrike">
+                <a:latin typeface="Arial"/>
+              </a:rPr>
+              <a:t>t</a:t>
+            </a:r>
+            <a:r>
+              <a:rPr b="0" lang="pt-BR" sz="4400" spc="-1" strike="noStrike">
+                <a:latin typeface="Arial"/>
+              </a:rPr>
+              <a:t>e</a:t>
+            </a:r>
+            <a:r>
+              <a:rPr b="0" lang="pt-BR" sz="4400" spc="-1" strike="noStrike">
+                <a:latin typeface="Arial"/>
+              </a:rPr>
+              <a:t>x</a:t>
+            </a:r>
+            <a:r>
+              <a:rPr b="0" lang="pt-BR" sz="4400" spc="-1" strike="noStrike">
+                <a:latin typeface="Arial"/>
+              </a:rPr>
+              <a:t>t </a:t>
+            </a:r>
+            <a:r>
+              <a:rPr b="0" lang="pt-BR" sz="4400" spc="-1" strike="noStrike">
+                <a:latin typeface="Arial"/>
+              </a:rPr>
+              <a:t>f</a:t>
+            </a:r>
+            <a:r>
+              <a:rPr b="0" lang="pt-BR" sz="4400" spc="-1" strike="noStrike">
+                <a:latin typeface="Arial"/>
+              </a:rPr>
+              <a:t>o</a:t>
+            </a:r>
+            <a:r>
+              <a:rPr b="0" lang="pt-BR" sz="4400" spc="-1" strike="noStrike">
+                <a:latin typeface="Arial"/>
+              </a:rPr>
+              <a:t>r</a:t>
+            </a:r>
+            <a:r>
+              <a:rPr b="0" lang="pt-BR" sz="4400" spc="-1" strike="noStrike">
+                <a:latin typeface="Arial"/>
+              </a:rPr>
+              <a:t>m</a:t>
+            </a:r>
+            <a:r>
+              <a:rPr b="0" lang="pt-BR" sz="4400" spc="-1" strike="noStrike">
+                <a:latin typeface="Arial"/>
+              </a:rPr>
+              <a:t>a</a:t>
+            </a:r>
+            <a:r>
+              <a:rPr b="0" lang="pt-BR" sz="4400" spc="-1" strike="noStrike">
+                <a:latin typeface="Arial"/>
+              </a:rPr>
+              <a:t>t</a:t>
             </a:r>
             <a:endParaRPr b="0" lang="pt-BR" sz="4400" spc="-1" strike="noStrike">
               <a:latin typeface="Arial"/>
@@ -11708,211 +11828,7 @@
               <a:rPr b="0" lang="pt-BR" sz="4400" spc="-1" strike="noStrike">
                 <a:latin typeface="Arial"/>
               </a:rPr>
-              <a:t>C</a:t>
-            </a:r>
-            <a:r>
-              <a:rPr b="0" lang="pt-BR" sz="4400" spc="-1" strike="noStrike">
-                <a:latin typeface="Arial"/>
-              </a:rPr>
-              <a:t>l</a:t>
-            </a:r>
-            <a:r>
-              <a:rPr b="0" lang="pt-BR" sz="4400" spc="-1" strike="noStrike">
-                <a:latin typeface="Arial"/>
-              </a:rPr>
-              <a:t>i</a:t>
-            </a:r>
-            <a:r>
-              <a:rPr b="0" lang="pt-BR" sz="4400" spc="-1" strike="noStrike">
-                <a:latin typeface="Arial"/>
-              </a:rPr>
-              <a:t>c</a:t>
-            </a:r>
-            <a:r>
-              <a:rPr b="0" lang="pt-BR" sz="4400" spc="-1" strike="noStrike">
-                <a:latin typeface="Arial"/>
-              </a:rPr>
-              <a:t>k</a:t>
-            </a:r>
-            <a:r>
-              <a:rPr b="0" lang="pt-BR" sz="4400" spc="-1" strike="noStrike">
-                <a:latin typeface="Arial"/>
-              </a:rPr>
-              <a:t> </a:t>
-            </a:r>
-            <a:r>
-              <a:rPr b="0" lang="pt-BR" sz="4400" spc="-1" strike="noStrike">
-                <a:latin typeface="Arial"/>
-              </a:rPr>
-              <a:t>t</a:t>
-            </a:r>
-            <a:r>
-              <a:rPr b="0" lang="pt-BR" sz="4400" spc="-1" strike="noStrike">
-                <a:latin typeface="Arial"/>
-              </a:rPr>
-              <a:t>o</a:t>
-            </a:r>
-            <a:r>
-              <a:rPr b="0" lang="pt-BR" sz="4400" spc="-1" strike="noStrike">
-                <a:latin typeface="Arial"/>
-              </a:rPr>
-              <a:t> </a:t>
-            </a:r>
-            <a:r>
-              <a:rPr b="0" lang="pt-BR" sz="4400" spc="-1" strike="noStrike">
-                <a:latin typeface="Arial"/>
-              </a:rPr>
-              <a:t>e</a:t>
-            </a:r>
-            <a:r>
-              <a:rPr b="0" lang="pt-BR" sz="4400" spc="-1" strike="noStrike">
-                <a:latin typeface="Arial"/>
-              </a:rPr>
-              <a:t>d</a:t>
-            </a:r>
-            <a:r>
-              <a:rPr b="0" lang="pt-BR" sz="4400" spc="-1" strike="noStrike">
-                <a:latin typeface="Arial"/>
-              </a:rPr>
-              <a:t>i</a:t>
-            </a:r>
-            <a:r>
-              <a:rPr b="0" lang="pt-BR" sz="4400" spc="-1" strike="noStrike">
-                <a:latin typeface="Arial"/>
-              </a:rPr>
-              <a:t>t</a:t>
-            </a:r>
-            <a:r>
-              <a:rPr b="0" lang="pt-BR" sz="4400" spc="-1" strike="noStrike">
-                <a:latin typeface="Arial"/>
-              </a:rPr>
-              <a:t> </a:t>
-            </a:r>
-            <a:r>
-              <a:rPr b="0" lang="pt-BR" sz="4400" spc="-1" strike="noStrike">
-                <a:latin typeface="Arial"/>
-              </a:rPr>
-              <a:t>t</a:t>
-            </a:r>
-            <a:r>
-              <a:rPr b="0" lang="pt-BR" sz="4400" spc="-1" strike="noStrike">
-                <a:latin typeface="Arial"/>
-              </a:rPr>
-              <a:t>h</a:t>
-            </a:r>
-            <a:r>
-              <a:rPr b="0" lang="pt-BR" sz="4400" spc="-1" strike="noStrike">
-                <a:latin typeface="Arial"/>
-              </a:rPr>
-              <a:t>e</a:t>
-            </a:r>
-            <a:r>
-              <a:rPr b="0" lang="pt-BR" sz="4400" spc="-1" strike="noStrike">
-                <a:latin typeface="Arial"/>
-              </a:rPr>
-              <a:t> </a:t>
-            </a:r>
-            <a:r>
-              <a:rPr b="0" lang="pt-BR" sz="4400" spc="-1" strike="noStrike">
-                <a:latin typeface="Arial"/>
-              </a:rPr>
-              <a:t>t</a:t>
-            </a:r>
-            <a:r>
-              <a:rPr b="0" lang="pt-BR" sz="4400" spc="-1" strike="noStrike">
-                <a:latin typeface="Arial"/>
-              </a:rPr>
-              <a:t>i</a:t>
-            </a:r>
-            <a:r>
-              <a:rPr b="0" lang="pt-BR" sz="4400" spc="-1" strike="noStrike">
-                <a:latin typeface="Arial"/>
-              </a:rPr>
-              <a:t>t</a:t>
-            </a:r>
-            <a:r>
-              <a:rPr b="0" lang="pt-BR" sz="4400" spc="-1" strike="noStrike">
-                <a:latin typeface="Arial"/>
-              </a:rPr>
-              <a:t>l</a:t>
-            </a:r>
-            <a:r>
-              <a:rPr b="0" lang="pt-BR" sz="4400" spc="-1" strike="noStrike">
-                <a:latin typeface="Arial"/>
-              </a:rPr>
-              <a:t>e</a:t>
-            </a:r>
-            <a:r>
-              <a:rPr b="0" lang="pt-BR" sz="4400" spc="-1" strike="noStrike">
-                <a:latin typeface="Arial"/>
-              </a:rPr>
-              <a:t> </a:t>
-            </a:r>
-            <a:r>
-              <a:rPr b="0" lang="pt-BR" sz="4400" spc="-1" strike="noStrike">
-                <a:latin typeface="Arial"/>
-              </a:rPr>
-              <a:t>t</a:t>
-            </a:r>
-            <a:r>
-              <a:rPr b="0" lang="pt-BR" sz="4400" spc="-1" strike="noStrike">
-                <a:latin typeface="Arial"/>
-              </a:rPr>
-              <a:t>e</a:t>
-            </a:r>
-            <a:r>
-              <a:rPr b="0" lang="pt-BR" sz="4400" spc="-1" strike="noStrike">
-                <a:latin typeface="Arial"/>
-              </a:rPr>
-              <a:t>x</a:t>
-            </a:r>
-            <a:r>
-              <a:rPr b="0" lang="pt-BR" sz="4400" spc="-1" strike="noStrike">
-                <a:latin typeface="Arial"/>
-              </a:rPr>
-              <a:t>t</a:t>
-            </a:r>
-            <a:r>
-              <a:rPr b="0" lang="pt-BR" sz="4400" spc="-1" strike="noStrike">
-                <a:latin typeface="Arial"/>
-              </a:rPr>
-              <a:t> </a:t>
-            </a:r>
-            <a:r>
-              <a:rPr b="0" lang="pt-BR" sz="4400" spc="-1" strike="noStrike">
-                <a:latin typeface="Arial"/>
-              </a:rPr>
-              <a:t>f</a:t>
-            </a:r>
-            <a:r>
-              <a:rPr b="0" lang="pt-BR" sz="4400" spc="-1" strike="noStrike">
-                <a:latin typeface="Arial"/>
-              </a:rPr>
-              <a:t>o</a:t>
-            </a:r>
-            <a:r>
-              <a:rPr b="0" lang="pt-BR" sz="4400" spc="-1" strike="noStrike">
-                <a:latin typeface="Arial"/>
-              </a:rPr>
-              <a:t>r</a:t>
-            </a:r>
-            <a:r>
-              <a:rPr b="0" lang="pt-BR" sz="4400" spc="-1" strike="noStrike">
-                <a:latin typeface="Arial"/>
-              </a:rPr>
-              <a:t>m</a:t>
-            </a:r>
-            <a:r>
-              <a:rPr b="0" lang="pt-BR" sz="4400" spc="-1" strike="noStrike">
-                <a:latin typeface="Arial"/>
-              </a:rPr>
-              <a:t>a</a:t>
-            </a:r>
-            <a:r>
-              <a:rPr b="0" lang="pt-BR" sz="4400" spc="-1" strike="noStrike">
-                <a:latin typeface="Arial"/>
-              </a:rPr>
-              <a:t>t</a:t>
+              <a:t>Click to edit the title text format</a:t>
             </a:r>
             <a:endParaRPr b="0" lang="pt-BR" sz="4400" spc="-1" strike="noStrike">
               <a:latin typeface="Arial"/>
@@ -12292,49 +12208,7 @@
               <a:rPr b="0" lang="pt-BR" sz="4400" spc="-1" strike="noStrike">
                 <a:latin typeface="Arial"/>
               </a:rPr>
-              <a:t>Click </a:t>
-            </a:r>
-            <a:r>
-              <a:rPr b="0" lang="pt-BR" sz="4400" spc="-1" strike="noStrike">
-                <a:latin typeface="Arial"/>
-              </a:rPr>
-              <a:t>to </a:t>
-            </a:r>
-            <a:r>
-              <a:rPr b="0" lang="pt-BR" sz="4400" spc="-1" strike="noStrike">
-                <a:latin typeface="Arial"/>
-              </a:rPr>
-              <a:t>edit </a:t>
-            </a:r>
-            <a:r>
-              <a:rPr b="0" lang="pt-BR" sz="4400" spc="-1" strike="noStrike">
-                <a:latin typeface="Arial"/>
-              </a:rPr>
-              <a:t>the </a:t>
-            </a:r>
-            <a:r>
-              <a:rPr b="0" lang="pt-BR" sz="4400" spc="-1" strike="noStrike">
-                <a:latin typeface="Arial"/>
-              </a:rPr>
-              <a:t>title </a:t>
-            </a:r>
-            <a:r>
-              <a:rPr b="0" lang="pt-BR" sz="4400" spc="-1" strike="noStrike">
-                <a:latin typeface="Arial"/>
-              </a:rPr>
-              <a:t>text </a:t>
-            </a:r>
-            <a:r>
-              <a:rPr b="0" lang="pt-BR" sz="4400" spc="-1" strike="noStrike">
-                <a:latin typeface="Arial"/>
-              </a:rPr>
-              <a:t>forma</a:t>
-            </a:r>
-            <a:r>
-              <a:rPr b="0" lang="pt-BR" sz="4400" spc="-1" strike="noStrike">
-                <a:latin typeface="Arial"/>
-              </a:rPr>
-              <a:t>t</a:t>
+              <a:t>Click to edit the title text format</a:t>
             </a:r>
             <a:endParaRPr b="0" lang="pt-BR" sz="4400" spc="-1" strike="noStrike">
               <a:latin typeface="Arial"/>
@@ -12714,151 +12588,7 @@
               <a:rPr b="0" lang="pt-BR" sz="4400" spc="-1" strike="noStrike">
                 <a:latin typeface="Arial"/>
               </a:rPr>
-              <a:t>C</a:t>
-            </a:r>
-            <a:r>
-              <a:rPr b="0" lang="pt-BR" sz="4400" spc="-1" strike="noStrike">
-                <a:latin typeface="Arial"/>
-              </a:rPr>
-              <a:t>li</a:t>
-            </a:r>
-            <a:r>
-              <a:rPr b="0" lang="pt-BR" sz="4400" spc="-1" strike="noStrike">
-                <a:latin typeface="Arial"/>
-              </a:rPr>
-              <a:t>c</a:t>
-            </a:r>
-            <a:r>
-              <a:rPr b="0" lang="pt-BR" sz="4400" spc="-1" strike="noStrike">
-                <a:latin typeface="Arial"/>
-              </a:rPr>
-              <a:t>k </a:t>
-            </a:r>
-            <a:r>
-              <a:rPr b="0" lang="pt-BR" sz="4400" spc="-1" strike="noStrike">
-                <a:latin typeface="Arial"/>
-              </a:rPr>
-              <a:t>t</a:t>
-            </a:r>
-            <a:r>
-              <a:rPr b="0" lang="pt-BR" sz="4400" spc="-1" strike="noStrike">
-                <a:latin typeface="Arial"/>
-              </a:rPr>
-              <a:t>o </a:t>
-            </a:r>
-            <a:r>
-              <a:rPr b="0" lang="pt-BR" sz="4400" spc="-1" strike="noStrike">
-                <a:latin typeface="Arial"/>
-              </a:rPr>
-              <a:t>e</a:t>
-            </a:r>
-            <a:r>
-              <a:rPr b="0" lang="pt-BR" sz="4400" spc="-1" strike="noStrike">
-                <a:latin typeface="Arial"/>
-              </a:rPr>
-              <a:t>d</a:t>
-            </a:r>
-            <a:r>
-              <a:rPr b="0" lang="pt-BR" sz="4400" spc="-1" strike="noStrike">
-                <a:latin typeface="Arial"/>
-              </a:rPr>
-              <a:t>it </a:t>
-            </a:r>
-            <a:r>
-              <a:rPr b="0" lang="pt-BR" sz="4400" spc="-1" strike="noStrike">
-                <a:latin typeface="Arial"/>
-              </a:rPr>
-              <a:t>t</a:t>
-            </a:r>
-            <a:r>
-              <a:rPr b="0" lang="pt-BR" sz="4400" spc="-1" strike="noStrike">
-                <a:latin typeface="Arial"/>
-              </a:rPr>
-              <a:t>h</a:t>
-            </a:r>
-            <a:r>
-              <a:rPr b="0" lang="pt-BR" sz="4400" spc="-1" strike="noStrike">
-                <a:latin typeface="Arial"/>
-              </a:rPr>
-              <a:t>e </a:t>
-            </a:r>
-            <a:r>
-              <a:rPr b="0" lang="pt-BR" sz="4400" spc="-1" strike="noStrike">
-                <a:latin typeface="Arial"/>
-              </a:rPr>
-              <a:t>ti</a:t>
-            </a:r>
-            <a:r>
-              <a:rPr b="0" lang="pt-BR" sz="4400" spc="-1" strike="noStrike">
-                <a:latin typeface="Arial"/>
-              </a:rPr>
-              <a:t>tl</a:t>
-            </a:r>
-            <a:r>
-              <a:rPr b="0" lang="pt-BR" sz="4400" spc="-1" strike="noStrike">
-                <a:latin typeface="Arial"/>
-              </a:rPr>
-              <a:t>e </a:t>
-            </a:r>
-            <a:r>
-              <a:rPr b="0" lang="pt-BR" sz="4400" spc="-1" strike="noStrike">
-                <a:latin typeface="Arial"/>
-              </a:rPr>
-              <a:t>t</a:t>
-            </a:r>
-            <a:r>
-              <a:rPr b="0" lang="pt-BR" sz="4400" spc="-1" strike="noStrike">
-                <a:latin typeface="Arial"/>
-              </a:rPr>
-              <a:t>e</a:t>
-            </a:r>
-            <a:r>
-              <a:rPr b="0" lang="pt-BR" sz="4400" spc="-1" strike="noStrike">
-                <a:latin typeface="Arial"/>
-              </a:rPr>
-              <a:t>x</a:t>
-            </a:r>
-            <a:r>
-              <a:rPr b="0" lang="pt-BR" sz="4400" spc="-1" strike="noStrike">
-                <a:latin typeface="Arial"/>
-              </a:rPr>
-              <a:t>t </a:t>
-            </a:r>
-            <a:r>
-              <a:rPr b="0" lang="pt-BR" sz="4400" spc="-1" strike="noStrike">
-                <a:latin typeface="Arial"/>
-              </a:rPr>
-              <a:t>f</a:t>
-            </a:r>
-            <a:r>
-              <a:rPr b="0" lang="pt-BR" sz="4400" spc="-1" strike="noStrike">
-                <a:latin typeface="Arial"/>
-              </a:rPr>
-              <a:t>o</a:t>
-            </a:r>
-            <a:r>
-              <a:rPr b="0" lang="pt-BR" sz="4400" spc="-1" strike="noStrike">
-                <a:latin typeface="Arial"/>
-              </a:rPr>
-              <a:t>r</a:t>
-            </a:r>
-            <a:r>
-              <a:rPr b="0" lang="pt-BR" sz="4400" spc="-1" strike="noStrike">
-                <a:latin typeface="Arial"/>
-              </a:rPr>
-              <a:t>m</a:t>
-            </a:r>
-            <a:r>
-              <a:rPr b="0" lang="pt-BR" sz="4400" spc="-1" strike="noStrike">
-                <a:latin typeface="Arial"/>
-              </a:rPr>
-              <a:t>a</a:t>
-            </a:r>
-            <a:r>
-              <a:rPr b="0" lang="pt-BR" sz="4400" spc="-1" strike="noStrike">
-                <a:latin typeface="Arial"/>
-              </a:rPr>
-              <a:t>t</a:t>
+              <a:t>Click to edit the title text format</a:t>
             </a:r>
             <a:endParaRPr b="0" lang="pt-BR" sz="4400" spc="-1" strike="noStrike">
               <a:latin typeface="Arial"/>
@@ -19273,7 +19003,7 @@
       </p:grpSpPr>
       <p:sp>
         <p:nvSpPr>
-          <p:cNvPr id="361" name="CustomShape 61"/>
+          <p:cNvPr id="361" name="CustomShape 65"/>
           <p:cNvSpPr/>
           <p:nvPr/>
         </p:nvSpPr>
@@ -19315,7 +19045,7 @@
                 <a:latin typeface="Source Sans Pro Black"/>
                 <a:ea typeface="DejaVu Sans"/>
               </a:rPr>
-              <a:t>Considerações Finais</a:t>
+              <a:t>Let’s code!</a:t>
             </a:r>
             <a:endParaRPr b="0" lang="pt-BR" sz="2600" spc="-1" strike="noStrike">
               <a:latin typeface="Arial"/>
@@ -19325,7 +19055,7 @@
       </p:sp>
       <p:sp>
         <p:nvSpPr>
-          <p:cNvPr id="362" name="CustomShape 62"/>
+          <p:cNvPr id="362" name="CustomShape 66"/>
           <p:cNvSpPr/>
           <p:nvPr/>
         </p:nvSpPr>
@@ -19377,7 +19107,7 @@
       </p:sp>
       <p:sp>
         <p:nvSpPr>
-          <p:cNvPr id="363" name="CustomShape 63"/>
+          <p:cNvPr id="363" name="CustomShape 67"/>
           <p:cNvSpPr/>
           <p:nvPr/>
         </p:nvSpPr>
@@ -19468,16 +19198,10 @@
             </a:endParaRPr>
           </a:p>
           <a:p>
-            <a:pPr marL="36000" indent="-216000">
-              <a:lnSpc>
-                <a:spcPct val="115000"/>
-              </a:lnSpc>
-              <a:spcBef>
-                <a:spcPts val="283"/>
-              </a:spcBef>
-              <a:spcAft>
-                <a:spcPts val="283"/>
-              </a:spcAft>
+            <a:pPr marL="216000" indent="-216000">
+              <a:lnSpc>
+                <a:spcPct val="100000"/>
+              </a:lnSpc>
               <a:buClr>
                 <a:srgbClr val="000000"/>
               </a:buClr>
@@ -19493,23 +19217,17 @@
                 <a:latin typeface="Latin Modern Sans"/>
                 <a:ea typeface="DejaVu Sans"/>
               </a:rPr>
-              <a:t>Vantagens</a:t>
+              <a:t>Vamos implementar o Naive Bayes com o Scikit learn</a:t>
             </a:r>
             <a:endParaRPr b="0" lang="pt-BR" sz="1800" spc="-1" strike="noStrike">
               <a:latin typeface="Arial"/>
             </a:endParaRPr>
           </a:p>
           <a:p>
-            <a:pPr lvl="2" marL="648000" indent="-216000">
-              <a:lnSpc>
-                <a:spcPct val="115000"/>
-              </a:lnSpc>
-              <a:spcBef>
-                <a:spcPts val="283"/>
-              </a:spcBef>
-              <a:spcAft>
-                <a:spcPts val="283"/>
-              </a:spcAft>
+            <a:pPr marL="216000" indent="-216000">
+              <a:lnSpc>
+                <a:spcPct val="100000"/>
+              </a:lnSpc>
               <a:buClr>
                 <a:srgbClr val="000000"/>
               </a:buClr>
@@ -19517,6 +19235,17 @@
               <a:buFont typeface="Wingdings" charset="2"/>
               <a:buChar char=""/>
             </a:pPr>
+            <a:endParaRPr b="0" lang="pt-BR" sz="1800" spc="-1" strike="noStrike">
+              <a:latin typeface="Arial"/>
+            </a:endParaRPr>
+          </a:p>
+          <a:p>
+            <a:pPr>
+              <a:lnSpc>
+                <a:spcPct val="100000"/>
+              </a:lnSpc>
+              <a:buNone/>
+            </a:pPr>
             <a:r>
               <a:rPr b="0" lang="pt-BR" sz="1800" spc="-1" strike="noStrike">
                 <a:solidFill>
@@ -19525,30 +19254,8 @@
                 <a:latin typeface="Latin Modern Sans"/>
                 <a:ea typeface="DejaVu Sans"/>
               </a:rPr>
-              <a:t>Implementação simples</a:t>
-            </a:r>
-            <a:endParaRPr b="0" lang="pt-BR" sz="1800" spc="-1" strike="noStrike">
-              <a:latin typeface="Arial"/>
-            </a:endParaRPr>
-          </a:p>
-          <a:p>
-            <a:pPr lvl="2" marL="648000" indent="-216000">
-              <a:lnSpc>
-                <a:spcPct val="115000"/>
-              </a:lnSpc>
-              <a:spcBef>
-                <a:spcPts val="283"/>
-              </a:spcBef>
-              <a:spcAft>
-                <a:spcPts val="283"/>
-              </a:spcAft>
-              <a:buClr>
-                <a:srgbClr val="000000"/>
-              </a:buClr>
-              <a:buSzPct val="45000"/>
-              <a:buFont typeface="Wingdings" charset="2"/>
-              <a:buChar char=""/>
-            </a:pPr>
+              <a:t>Link: </a:t>
+            </a:r>
             <a:r>
               <a:rPr b="0" lang="pt-BR" sz="1800" spc="-1" strike="noStrike">
                 <a:solidFill>
@@ -19556,24 +19263,19 @@
                 </a:solidFill>
                 <a:latin typeface="Latin Modern Sans"/>
                 <a:ea typeface="DejaVu Sans"/>
-              </a:rPr>
-              <a:t>Se ajusta bem com datasets pequenos</a:t>
+                <a:hlinkClick r:id="rId1"/>
+              </a:rPr>
+              <a:t>Tópico_02_Aprendizado_Supervisionado_Naive_Bayes.ipynb</a:t>
             </a:r>
             <a:endParaRPr b="0" lang="pt-BR" sz="1800" spc="-1" strike="noStrike">
               <a:latin typeface="Arial"/>
             </a:endParaRPr>
           </a:p>
           <a:p>
-            <a:pPr marL="36000">
-              <a:lnSpc>
-                <a:spcPct val="115000"/>
-              </a:lnSpc>
-              <a:spcBef>
-                <a:spcPts val="283"/>
-              </a:spcBef>
-              <a:spcAft>
-                <a:spcPts val="283"/>
-              </a:spcAft>
+            <a:pPr>
+              <a:lnSpc>
+                <a:spcPct val="100000"/>
+              </a:lnSpc>
               <a:buNone/>
             </a:pPr>
             <a:r>
@@ -19584,152 +19286,7 @@
                 <a:latin typeface="Latin Modern Sans"/>
                 <a:ea typeface="DejaVu Sans"/>
               </a:rPr>
-              <a:t>	</a:t>
-            </a:r>
-            <a:endParaRPr b="0" lang="pt-BR" sz="1800" spc="-1" strike="noStrike">
-              <a:latin typeface="Arial"/>
-            </a:endParaRPr>
-          </a:p>
-          <a:p>
-            <a:pPr marL="36000">
-              <a:lnSpc>
-                <a:spcPct val="115000"/>
-              </a:lnSpc>
-              <a:spcBef>
-                <a:spcPts val="283"/>
-              </a:spcBef>
-              <a:spcAft>
-                <a:spcPts val="283"/>
-              </a:spcAft>
-              <a:buNone/>
-            </a:pPr>
-            <a:endParaRPr b="0" lang="pt-BR" sz="1800" spc="-1" strike="noStrike">
-              <a:latin typeface="Arial"/>
-            </a:endParaRPr>
-          </a:p>
-          <a:p>
-            <a:pPr marL="36000" indent="-216000">
-              <a:lnSpc>
-                <a:spcPct val="115000"/>
-              </a:lnSpc>
-              <a:spcBef>
-                <a:spcPts val="283"/>
-              </a:spcBef>
-              <a:spcAft>
-                <a:spcPts val="283"/>
-              </a:spcAft>
-              <a:buClr>
-                <a:srgbClr val="000000"/>
-              </a:buClr>
-              <a:buSzPct val="45000"/>
-              <a:buFont typeface="Wingdings" charset="2"/>
-              <a:buChar char=""/>
-            </a:pPr>
-            <a:r>
-              <a:rPr b="0" lang="pt-BR" sz="1800" spc="-1" strike="noStrike">
-                <a:solidFill>
-                  <a:srgbClr val="1c1c1c"/>
-                </a:solidFill>
-                <a:latin typeface="Latin Modern Sans"/>
-                <a:ea typeface="DejaVu Sans"/>
-              </a:rPr>
-              <a:t>Desvantagens:</a:t>
-            </a:r>
-            <a:endParaRPr b="0" lang="pt-BR" sz="1800" spc="-1" strike="noStrike">
-              <a:latin typeface="Arial"/>
-            </a:endParaRPr>
-          </a:p>
-          <a:p>
-            <a:pPr lvl="2" marL="648000" indent="-216000">
-              <a:lnSpc>
-                <a:spcPct val="115000"/>
-              </a:lnSpc>
-              <a:spcBef>
-                <a:spcPts val="283"/>
-              </a:spcBef>
-              <a:spcAft>
-                <a:spcPts val="283"/>
-              </a:spcAft>
-              <a:buClr>
-                <a:srgbClr val="000000"/>
-              </a:buClr>
-              <a:buSzPct val="45000"/>
-              <a:buFont typeface="Wingdings" charset="2"/>
-              <a:buChar char=""/>
-            </a:pPr>
-            <a:r>
-              <a:rPr b="0" lang="pt-BR" sz="1800" spc="-1" strike="noStrike">
-                <a:solidFill>
-                  <a:srgbClr val="1c1c1c"/>
-                </a:solidFill>
-                <a:latin typeface="Latin Modern Sans"/>
-                <a:ea typeface="DejaVu Sans"/>
-              </a:rPr>
-              <a:t>Características devem ser independentes</a:t>
-            </a:r>
-            <a:endParaRPr b="0" lang="pt-BR" sz="1800" spc="-1" strike="noStrike">
-              <a:latin typeface="Arial"/>
-            </a:endParaRPr>
-          </a:p>
-          <a:p>
-            <a:pPr lvl="2" marL="648000" indent="-216000">
-              <a:lnSpc>
-                <a:spcPct val="115000"/>
-              </a:lnSpc>
-              <a:spcBef>
-                <a:spcPts val="283"/>
-              </a:spcBef>
-              <a:spcAft>
-                <a:spcPts val="283"/>
-              </a:spcAft>
-              <a:buClr>
-                <a:srgbClr val="000000"/>
-              </a:buClr>
-              <a:buSzPct val="45000"/>
-              <a:buFont typeface="Wingdings" charset="2"/>
-              <a:buChar char=""/>
-            </a:pPr>
-            <a:r>
-              <a:rPr b="0" lang="pt-BR" sz="1800" spc="-1" strike="noStrike">
-                <a:solidFill>
-                  <a:srgbClr val="1c1c1c"/>
-                </a:solidFill>
-                <a:latin typeface="Latin Modern Sans"/>
-                <a:ea typeface="DejaVu Sans"/>
-              </a:rPr>
-              <a:t>Bases complexas normalmente apresentam dados dependentes</a:t>
-            </a:r>
-            <a:endParaRPr b="0" lang="pt-BR" sz="1800" spc="-1" strike="noStrike">
-              <a:latin typeface="Arial"/>
-            </a:endParaRPr>
-          </a:p>
-          <a:p>
-            <a:pPr lvl="2" marL="648000" indent="-216000">
-              <a:lnSpc>
-                <a:spcPct val="115000"/>
-              </a:lnSpc>
-              <a:spcBef>
-                <a:spcPts val="283"/>
-              </a:spcBef>
-              <a:spcAft>
-                <a:spcPts val="283"/>
-              </a:spcAft>
-              <a:buClr>
-                <a:srgbClr val="000000"/>
-              </a:buClr>
-              <a:buSzPct val="45000"/>
-              <a:buFont typeface="Wingdings" charset="2"/>
-              <a:buChar char=""/>
-            </a:pPr>
-            <a:r>
-              <a:rPr b="0" lang="pt-BR" sz="1800" spc="-1" strike="noStrike">
-                <a:solidFill>
-                  <a:srgbClr val="1c1c1c"/>
-                </a:solidFill>
-                <a:latin typeface="Latin Modern Sans"/>
-                <a:ea typeface="DejaVu Sans"/>
-              </a:rPr>
-              <a:t>Se um atributo novo ocorrer no test, a probabilidade será zerada visto que não estava presente no treino</a:t>
+              <a:t> </a:t>
             </a:r>
             <a:endParaRPr b="0" lang="pt-BR" sz="1800" spc="-1" strike="noStrike">
               <a:latin typeface="Arial"/>
@@ -19769,7 +19326,7 @@
       </p:grpSpPr>
       <p:sp>
         <p:nvSpPr>
-          <p:cNvPr id="365" name="CustomShape 65"/>
+          <p:cNvPr id="365" name="CustomShape 61"/>
           <p:cNvSpPr/>
           <p:nvPr/>
         </p:nvSpPr>
@@ -19811,7 +19368,7 @@
                 <a:latin typeface="Source Sans Pro Black"/>
                 <a:ea typeface="DejaVu Sans"/>
               </a:rPr>
-              <a:t>Let’s code!</a:t>
+              <a:t>Considerações Finais</a:t>
             </a:r>
             <a:endParaRPr b="0" lang="pt-BR" sz="2600" spc="-1" strike="noStrike">
               <a:latin typeface="Arial"/>
@@ -19821,7 +19378,7 @@
       </p:sp>
       <p:sp>
         <p:nvSpPr>
-          <p:cNvPr id="366" name="CustomShape 66"/>
+          <p:cNvPr id="366" name="CustomShape 62"/>
           <p:cNvSpPr/>
           <p:nvPr/>
         </p:nvSpPr>
@@ -19873,7 +19430,7 @@
       </p:sp>
       <p:sp>
         <p:nvSpPr>
-          <p:cNvPr id="367" name="CustomShape 67"/>
+          <p:cNvPr id="367" name="CustomShape 63"/>
           <p:cNvSpPr/>
           <p:nvPr/>
         </p:nvSpPr>
@@ -19964,10 +19521,16 @@
             </a:endParaRPr>
           </a:p>
           <a:p>
-            <a:pPr marL="216000" indent="-216000">
-              <a:lnSpc>
-                <a:spcPct val="100000"/>
-              </a:lnSpc>
+            <a:pPr marL="36000" indent="-216000">
+              <a:lnSpc>
+                <a:spcPct val="115000"/>
+              </a:lnSpc>
+              <a:spcBef>
+                <a:spcPts val="283"/>
+              </a:spcBef>
+              <a:spcAft>
+                <a:spcPts val="283"/>
+              </a:spcAft>
               <a:buClr>
                 <a:srgbClr val="000000"/>
               </a:buClr>
@@ -19983,17 +19546,23 @@
                 <a:latin typeface="Latin Modern Sans"/>
                 <a:ea typeface="DejaVu Sans"/>
               </a:rPr>
-              <a:t>Vamos implementar o Naive Bayes com o Scikit learn</a:t>
+              <a:t>Vantagens</a:t>
             </a:r>
             <a:endParaRPr b="0" lang="pt-BR" sz="1800" spc="-1" strike="noStrike">
               <a:latin typeface="Arial"/>
             </a:endParaRPr>
           </a:p>
           <a:p>
-            <a:pPr marL="216000" indent="-216000">
-              <a:lnSpc>
-                <a:spcPct val="100000"/>
-              </a:lnSpc>
+            <a:pPr lvl="2" marL="648000" indent="-216000">
+              <a:lnSpc>
+                <a:spcPct val="115000"/>
+              </a:lnSpc>
+              <a:spcBef>
+                <a:spcPts val="283"/>
+              </a:spcBef>
+              <a:spcAft>
+                <a:spcPts val="283"/>
+              </a:spcAft>
               <a:buClr>
                 <a:srgbClr val="000000"/>
               </a:buClr>
@@ -20009,28 +19578,23 @@
                 <a:latin typeface="Latin Modern Sans"/>
                 <a:ea typeface="DejaVu Sans"/>
               </a:rPr>
-              <a:t>Siga o link:</a:t>
+              <a:t>Implementação simples</a:t>
             </a:r>
             <a:endParaRPr b="0" lang="pt-BR" sz="1800" spc="-1" strike="noStrike">
               <a:latin typeface="Arial"/>
             </a:endParaRPr>
           </a:p>
           <a:p>
-            <a:pPr>
-              <a:lnSpc>
-                <a:spcPct val="100000"/>
-              </a:lnSpc>
-              <a:buNone/>
-            </a:pPr>
-            <a:endParaRPr b="0" lang="pt-BR" sz="1800" spc="-1" strike="noStrike">
-              <a:latin typeface="Arial"/>
-            </a:endParaRPr>
-          </a:p>
-          <a:p>
-            <a:pPr marL="216000" indent="-216000">
-              <a:lnSpc>
-                <a:spcPct val="100000"/>
-              </a:lnSpc>
+            <a:pPr lvl="2" marL="648000" indent="-216000">
+              <a:lnSpc>
+                <a:spcPct val="115000"/>
+              </a:lnSpc>
+              <a:spcBef>
+                <a:spcPts val="283"/>
+              </a:spcBef>
+              <a:spcAft>
+                <a:spcPts val="283"/>
+              </a:spcAft>
               <a:buClr>
                 <a:srgbClr val="000000"/>
               </a:buClr>
@@ -20046,7 +19610,179 @@
                 <a:latin typeface="Latin Modern Sans"/>
                 <a:ea typeface="DejaVu Sans"/>
               </a:rPr>
-              <a:t> </a:t>
+              <a:t>Se ajusta bem com datasets pequenos</a:t>
+            </a:r>
+            <a:endParaRPr b="0" lang="pt-BR" sz="1800" spc="-1" strike="noStrike">
+              <a:latin typeface="Arial"/>
+            </a:endParaRPr>
+          </a:p>
+          <a:p>
+            <a:pPr marL="36000">
+              <a:lnSpc>
+                <a:spcPct val="115000"/>
+              </a:lnSpc>
+              <a:spcBef>
+                <a:spcPts val="283"/>
+              </a:spcBef>
+              <a:spcAft>
+                <a:spcPts val="283"/>
+              </a:spcAft>
+              <a:buNone/>
+            </a:pPr>
+            <a:r>
+              <a:rPr b="0" lang="pt-BR" sz="1800" spc="-1" strike="noStrike">
+                <a:solidFill>
+                  <a:srgbClr val="1c1c1c"/>
+                </a:solidFill>
+                <a:latin typeface="Latin Modern Sans"/>
+                <a:ea typeface="DejaVu Sans"/>
+              </a:rPr>
+              <a:t>	</a:t>
+            </a:r>
+            <a:endParaRPr b="0" lang="pt-BR" sz="1800" spc="-1" strike="noStrike">
+              <a:latin typeface="Arial"/>
+            </a:endParaRPr>
+          </a:p>
+          <a:p>
+            <a:pPr marL="36000">
+              <a:lnSpc>
+                <a:spcPct val="115000"/>
+              </a:lnSpc>
+              <a:spcBef>
+                <a:spcPts val="283"/>
+              </a:spcBef>
+              <a:spcAft>
+                <a:spcPts val="283"/>
+              </a:spcAft>
+              <a:buNone/>
+            </a:pPr>
+            <a:endParaRPr b="0" lang="pt-BR" sz="1800" spc="-1" strike="noStrike">
+              <a:latin typeface="Arial"/>
+            </a:endParaRPr>
+          </a:p>
+          <a:p>
+            <a:pPr marL="36000" indent="-216000">
+              <a:lnSpc>
+                <a:spcPct val="115000"/>
+              </a:lnSpc>
+              <a:spcBef>
+                <a:spcPts val="283"/>
+              </a:spcBef>
+              <a:spcAft>
+                <a:spcPts val="283"/>
+              </a:spcAft>
+              <a:buClr>
+                <a:srgbClr val="000000"/>
+              </a:buClr>
+              <a:buSzPct val="45000"/>
+              <a:buFont typeface="Wingdings" charset="2"/>
+              <a:buChar char=""/>
+            </a:pPr>
+            <a:r>
+              <a:rPr b="0" lang="pt-BR" sz="1800" spc="-1" strike="noStrike">
+                <a:solidFill>
+                  <a:srgbClr val="1c1c1c"/>
+                </a:solidFill>
+                <a:latin typeface="Latin Modern Sans"/>
+                <a:ea typeface="DejaVu Sans"/>
+              </a:rPr>
+              <a:t>Desvantagens:</a:t>
+            </a:r>
+            <a:endParaRPr b="0" lang="pt-BR" sz="1800" spc="-1" strike="noStrike">
+              <a:latin typeface="Arial"/>
+            </a:endParaRPr>
+          </a:p>
+          <a:p>
+            <a:pPr lvl="2" marL="648000" indent="-216000">
+              <a:lnSpc>
+                <a:spcPct val="115000"/>
+              </a:lnSpc>
+              <a:spcBef>
+                <a:spcPts val="283"/>
+              </a:spcBef>
+              <a:spcAft>
+                <a:spcPts val="283"/>
+              </a:spcAft>
+              <a:buClr>
+                <a:srgbClr val="000000"/>
+              </a:buClr>
+              <a:buSzPct val="45000"/>
+              <a:buFont typeface="Wingdings" charset="2"/>
+              <a:buChar char=""/>
+            </a:pPr>
+            <a:r>
+              <a:rPr b="0" lang="pt-BR" sz="1800" spc="-1" strike="noStrike">
+                <a:solidFill>
+                  <a:srgbClr val="1c1c1c"/>
+                </a:solidFill>
+                <a:latin typeface="Latin Modern Sans"/>
+                <a:ea typeface="DejaVu Sans"/>
+              </a:rPr>
+              <a:t>Características devem ser independentes</a:t>
+            </a:r>
+            <a:endParaRPr b="0" lang="pt-BR" sz="1800" spc="-1" strike="noStrike">
+              <a:latin typeface="Arial"/>
+            </a:endParaRPr>
+          </a:p>
+          <a:p>
+            <a:pPr lvl="2" marL="648000" indent="-216000">
+              <a:lnSpc>
+                <a:spcPct val="115000"/>
+              </a:lnSpc>
+              <a:spcBef>
+                <a:spcPts val="283"/>
+              </a:spcBef>
+              <a:spcAft>
+                <a:spcPts val="283"/>
+              </a:spcAft>
+              <a:buClr>
+                <a:srgbClr val="000000"/>
+              </a:buClr>
+              <a:buSzPct val="45000"/>
+              <a:buFont typeface="Wingdings" charset="2"/>
+              <a:buChar char=""/>
+            </a:pPr>
+            <a:r>
+              <a:rPr b="0" lang="pt-BR" sz="1800" spc="-1" strike="noStrike">
+                <a:solidFill>
+                  <a:srgbClr val="1c1c1c"/>
+                </a:solidFill>
+                <a:latin typeface="Latin Modern Sans"/>
+                <a:ea typeface="DejaVu Sans"/>
+              </a:rPr>
+              <a:t>Bases complexas normalmente apresentam dados dependentes</a:t>
+            </a:r>
+            <a:endParaRPr b="0" lang="pt-BR" sz="1800" spc="-1" strike="noStrike">
+              <a:latin typeface="Arial"/>
+            </a:endParaRPr>
+          </a:p>
+          <a:p>
+            <a:pPr lvl="2" marL="648000" indent="-216000">
+              <a:lnSpc>
+                <a:spcPct val="115000"/>
+              </a:lnSpc>
+              <a:spcBef>
+                <a:spcPts val="283"/>
+              </a:spcBef>
+              <a:spcAft>
+                <a:spcPts val="283"/>
+              </a:spcAft>
+              <a:buClr>
+                <a:srgbClr val="000000"/>
+              </a:buClr>
+              <a:buSzPct val="45000"/>
+              <a:buFont typeface="Wingdings" charset="2"/>
+              <a:buChar char=""/>
+            </a:pPr>
+            <a:r>
+              <a:rPr b="0" lang="pt-BR" sz="1800" spc="-1" strike="noStrike">
+                <a:solidFill>
+                  <a:srgbClr val="1c1c1c"/>
+                </a:solidFill>
+                <a:latin typeface="Latin Modern Sans"/>
+                <a:ea typeface="DejaVu Sans"/>
+              </a:rPr>
+              <a:t>Se um atributo novo ocorrer no test, a probabilidade será zerada visto que não estava presente no treino</a:t>
             </a:r>
             <a:endParaRPr b="0" lang="pt-BR" sz="1800" spc="-1" strike="noStrike">
               <a:latin typeface="Arial"/>
